--- a/PEX4/traceDiagram.pptx
+++ b/PEX4/traceDiagram.pptx
@@ -290,7 +290,7 @@
           <a:p>
             <a:fld id="{28E3E6EF-7A3B-4415-B114-AD7CA6A2CD81}" type="datetimeFigureOut">
               <a:rPr lang="en-US" smtClean="0"/>
-              <a:t>11/21/2014</a:t>
+              <a:t>11/24/2014</a:t>
             </a:fld>
             <a:endParaRPr lang="en-US"/>
           </a:p>
@@ -460,7 +460,7 @@
           <a:p>
             <a:fld id="{28E3E6EF-7A3B-4415-B114-AD7CA6A2CD81}" type="datetimeFigureOut">
               <a:rPr lang="en-US" smtClean="0"/>
-              <a:t>11/21/2014</a:t>
+              <a:t>11/24/2014</a:t>
             </a:fld>
             <a:endParaRPr lang="en-US"/>
           </a:p>
@@ -640,7 +640,7 @@
           <a:p>
             <a:fld id="{28E3E6EF-7A3B-4415-B114-AD7CA6A2CD81}" type="datetimeFigureOut">
               <a:rPr lang="en-US" smtClean="0"/>
-              <a:t>11/21/2014</a:t>
+              <a:t>11/24/2014</a:t>
             </a:fld>
             <a:endParaRPr lang="en-US"/>
           </a:p>
@@ -810,7 +810,7 @@
           <a:p>
             <a:fld id="{28E3E6EF-7A3B-4415-B114-AD7CA6A2CD81}" type="datetimeFigureOut">
               <a:rPr lang="en-US" smtClean="0"/>
-              <a:t>11/21/2014</a:t>
+              <a:t>11/24/2014</a:t>
             </a:fld>
             <a:endParaRPr lang="en-US"/>
           </a:p>
@@ -1056,7 +1056,7 @@
           <a:p>
             <a:fld id="{28E3E6EF-7A3B-4415-B114-AD7CA6A2CD81}" type="datetimeFigureOut">
               <a:rPr lang="en-US" smtClean="0"/>
-              <a:t>11/21/2014</a:t>
+              <a:t>11/24/2014</a:t>
             </a:fld>
             <a:endParaRPr lang="en-US"/>
           </a:p>
@@ -1344,7 +1344,7 @@
           <a:p>
             <a:fld id="{28E3E6EF-7A3B-4415-B114-AD7CA6A2CD81}" type="datetimeFigureOut">
               <a:rPr lang="en-US" smtClean="0"/>
-              <a:t>11/21/2014</a:t>
+              <a:t>11/24/2014</a:t>
             </a:fld>
             <a:endParaRPr lang="en-US"/>
           </a:p>
@@ -1766,7 +1766,7 @@
           <a:p>
             <a:fld id="{28E3E6EF-7A3B-4415-B114-AD7CA6A2CD81}" type="datetimeFigureOut">
               <a:rPr lang="en-US" smtClean="0"/>
-              <a:t>11/21/2014</a:t>
+              <a:t>11/24/2014</a:t>
             </a:fld>
             <a:endParaRPr lang="en-US"/>
           </a:p>
@@ -1884,7 +1884,7 @@
           <a:p>
             <a:fld id="{28E3E6EF-7A3B-4415-B114-AD7CA6A2CD81}" type="datetimeFigureOut">
               <a:rPr lang="en-US" smtClean="0"/>
-              <a:t>11/21/2014</a:t>
+              <a:t>11/24/2014</a:t>
             </a:fld>
             <a:endParaRPr lang="en-US"/>
           </a:p>
@@ -1979,7 +1979,7 @@
           <a:p>
             <a:fld id="{28E3E6EF-7A3B-4415-B114-AD7CA6A2CD81}" type="datetimeFigureOut">
               <a:rPr lang="en-US" smtClean="0"/>
-              <a:t>11/21/2014</a:t>
+              <a:t>11/24/2014</a:t>
             </a:fld>
             <a:endParaRPr lang="en-US"/>
           </a:p>
@@ -2256,7 +2256,7 @@
           <a:p>
             <a:fld id="{28E3E6EF-7A3B-4415-B114-AD7CA6A2CD81}" type="datetimeFigureOut">
               <a:rPr lang="en-US" smtClean="0"/>
-              <a:t>11/21/2014</a:t>
+              <a:t>11/24/2014</a:t>
             </a:fld>
             <a:endParaRPr lang="en-US"/>
           </a:p>
@@ -2509,7 +2509,7 @@
           <a:p>
             <a:fld id="{28E3E6EF-7A3B-4415-B114-AD7CA6A2CD81}" type="datetimeFigureOut">
               <a:rPr lang="en-US" smtClean="0"/>
-              <a:t>11/21/2014</a:t>
+              <a:t>11/24/2014</a:t>
             </a:fld>
             <a:endParaRPr lang="en-US"/>
           </a:p>
@@ -2722,7 +2722,7 @@
           <a:p>
             <a:fld id="{28E3E6EF-7A3B-4415-B114-AD7CA6A2CD81}" type="datetimeFigureOut">
               <a:rPr lang="en-US" smtClean="0"/>
-              <a:t>11/21/2014</a:t>
+              <a:t>11/24/2014</a:t>
             </a:fld>
             <a:endParaRPr lang="en-US"/>
           </a:p>
@@ -5136,6 +5136,299 @@
           </a:p>
         </p:txBody>
       </p:sp>
+      <p:cxnSp>
+        <p:nvCxnSpPr>
+          <p:cNvPr id="19" name="Elbow Connector 18"/>
+          <p:cNvCxnSpPr>
+            <a:stCxn id="23" idx="3"/>
+          </p:cNvCxnSpPr>
+          <p:nvPr/>
+        </p:nvCxnSpPr>
+        <p:spPr>
+          <a:xfrm flipV="1">
+            <a:off x="11811000" y="3962400"/>
+            <a:ext cx="457200" cy="884226"/>
+          </a:xfrm>
+          <a:prstGeom prst="bentConnector2">
+            <a:avLst/>
+          </a:prstGeom>
+          <a:ln w="38100"/>
+        </p:spPr>
+        <p:style>
+          <a:lnRef idx="1">
+            <a:schemeClr val="accent1"/>
+          </a:lnRef>
+          <a:fillRef idx="0">
+            <a:schemeClr val="accent1"/>
+          </a:fillRef>
+          <a:effectRef idx="0">
+            <a:schemeClr val="accent1"/>
+          </a:effectRef>
+          <a:fontRef idx="minor">
+            <a:schemeClr val="tx1"/>
+          </a:fontRef>
+        </p:style>
+      </p:cxnSp>
+      <p:cxnSp>
+        <p:nvCxnSpPr>
+          <p:cNvPr id="30" name="Straight Connector 29"/>
+          <p:cNvCxnSpPr/>
+          <p:nvPr/>
+        </p:nvCxnSpPr>
+        <p:spPr>
+          <a:xfrm>
+            <a:off x="5486400" y="3962400"/>
+            <a:ext cx="6781800" cy="0"/>
+          </a:xfrm>
+          <a:prstGeom prst="line">
+            <a:avLst/>
+          </a:prstGeom>
+          <a:ln w="38100"/>
+        </p:spPr>
+        <p:style>
+          <a:lnRef idx="1">
+            <a:schemeClr val="accent1"/>
+          </a:lnRef>
+          <a:fillRef idx="0">
+            <a:schemeClr val="accent1"/>
+          </a:fillRef>
+          <a:effectRef idx="0">
+            <a:schemeClr val="accent1"/>
+          </a:effectRef>
+          <a:fontRef idx="minor">
+            <a:schemeClr val="tx1"/>
+          </a:fontRef>
+        </p:style>
+      </p:cxnSp>
+      <p:cxnSp>
+        <p:nvCxnSpPr>
+          <p:cNvPr id="34" name="Straight Arrow Connector 33"/>
+          <p:cNvCxnSpPr/>
+          <p:nvPr/>
+        </p:nvCxnSpPr>
+        <p:spPr>
+          <a:xfrm flipV="1">
+            <a:off x="5486400" y="3733800"/>
+            <a:ext cx="0" cy="228600"/>
+          </a:xfrm>
+          <a:prstGeom prst="straightConnector1">
+            <a:avLst/>
+          </a:prstGeom>
+          <a:ln w="44450" cap="sq">
+            <a:tailEnd type="triangle" w="lg" len="lg"/>
+          </a:ln>
+        </p:spPr>
+        <p:style>
+          <a:lnRef idx="1">
+            <a:schemeClr val="accent1"/>
+          </a:lnRef>
+          <a:fillRef idx="0">
+            <a:schemeClr val="accent1"/>
+          </a:fillRef>
+          <a:effectRef idx="0">
+            <a:schemeClr val="accent1"/>
+          </a:effectRef>
+          <a:fontRef idx="minor">
+            <a:schemeClr val="tx1"/>
+          </a:fontRef>
+        </p:style>
+      </p:cxnSp>
+      <p:cxnSp>
+        <p:nvCxnSpPr>
+          <p:cNvPr id="36" name="Straight Arrow Connector 35"/>
+          <p:cNvCxnSpPr/>
+          <p:nvPr/>
+        </p:nvCxnSpPr>
+        <p:spPr>
+          <a:xfrm flipV="1">
+            <a:off x="5490482" y="2286000"/>
+            <a:ext cx="0" cy="762000"/>
+          </a:xfrm>
+          <a:prstGeom prst="straightConnector1">
+            <a:avLst/>
+          </a:prstGeom>
+          <a:ln w="44450" cap="sq">
+            <a:tailEnd type="triangle" w="lg" len="lg"/>
+          </a:ln>
+        </p:spPr>
+        <p:style>
+          <a:lnRef idx="1">
+            <a:schemeClr val="accent1"/>
+          </a:lnRef>
+          <a:fillRef idx="0">
+            <a:schemeClr val="accent1"/>
+          </a:fillRef>
+          <a:effectRef idx="0">
+            <a:schemeClr val="accent1"/>
+          </a:effectRef>
+          <a:fontRef idx="minor">
+            <a:schemeClr val="tx1"/>
+          </a:fontRef>
+        </p:style>
+      </p:cxnSp>
+      <p:sp>
+        <p:nvSpPr>
+          <p:cNvPr id="38" name="TextBox 37"/>
+          <p:cNvSpPr txBox="1"/>
+          <p:nvPr/>
+        </p:nvSpPr>
+        <p:spPr>
+          <a:xfrm>
+            <a:off x="7445576" y="3549134"/>
+            <a:ext cx="1208483" cy="369332"/>
+          </a:xfrm>
+          <a:prstGeom prst="rect">
+            <a:avLst/>
+          </a:prstGeom>
+          <a:noFill/>
+        </p:spPr>
+        <p:txBody>
+          <a:bodyPr wrap="square" rtlCol="0">
+            <a:spAutoFit/>
+          </a:bodyPr>
+          <a:lstStyle/>
+          <a:p>
+            <a:pPr algn="ctr"/>
+            <a:r>
+              <a:rPr lang="en-US" dirty="0" smtClean="0">
+                <a:solidFill>
+                  <a:prstClr val="black"/>
+                </a:solidFill>
+              </a:rPr>
+              <a:t>True</a:t>
+            </a:r>
+          </a:p>
+        </p:txBody>
+      </p:sp>
+      <p:sp>
+        <p:nvSpPr>
+          <p:cNvPr id="39" name="TextBox 38"/>
+          <p:cNvSpPr txBox="1"/>
+          <p:nvPr/>
+        </p:nvSpPr>
+        <p:spPr>
+          <a:xfrm>
+            <a:off x="2885990" y="827127"/>
+            <a:ext cx="1208483" cy="369332"/>
+          </a:xfrm>
+          <a:prstGeom prst="rect">
+            <a:avLst/>
+          </a:prstGeom>
+          <a:noFill/>
+        </p:spPr>
+        <p:txBody>
+          <a:bodyPr wrap="square" rtlCol="0">
+            <a:spAutoFit/>
+          </a:bodyPr>
+          <a:lstStyle/>
+          <a:p>
+            <a:pPr algn="ctr"/>
+            <a:r>
+              <a:rPr lang="en-US" dirty="0" smtClean="0">
+                <a:solidFill>
+                  <a:prstClr val="black"/>
+                </a:solidFill>
+              </a:rPr>
+              <a:t>True</a:t>
+            </a:r>
+          </a:p>
+        </p:txBody>
+      </p:sp>
+      <p:cxnSp>
+        <p:nvCxnSpPr>
+          <p:cNvPr id="44" name="Straight Connector 43"/>
+          <p:cNvCxnSpPr/>
+          <p:nvPr/>
+        </p:nvCxnSpPr>
+        <p:spPr>
+          <a:xfrm flipH="1" flipV="1">
+            <a:off x="5486400" y="1219200"/>
+            <a:ext cx="4082" cy="369332"/>
+          </a:xfrm>
+          <a:prstGeom prst="line">
+            <a:avLst/>
+          </a:prstGeom>
+          <a:ln w="38100"/>
+        </p:spPr>
+        <p:style>
+          <a:lnRef idx="1">
+            <a:schemeClr val="accent1"/>
+          </a:lnRef>
+          <a:fillRef idx="0">
+            <a:schemeClr val="accent1"/>
+          </a:fillRef>
+          <a:effectRef idx="0">
+            <a:schemeClr val="accent1"/>
+          </a:effectRef>
+          <a:fontRef idx="minor">
+            <a:schemeClr val="tx1"/>
+          </a:fontRef>
+        </p:style>
+      </p:cxnSp>
+      <p:cxnSp>
+        <p:nvCxnSpPr>
+          <p:cNvPr id="45" name="Straight Connector 44"/>
+          <p:cNvCxnSpPr/>
+          <p:nvPr/>
+        </p:nvCxnSpPr>
+        <p:spPr>
+          <a:xfrm>
+            <a:off x="1900918" y="1219200"/>
+            <a:ext cx="3585482" cy="0"/>
+          </a:xfrm>
+          <a:prstGeom prst="line">
+            <a:avLst/>
+          </a:prstGeom>
+          <a:ln w="38100"/>
+        </p:spPr>
+        <p:style>
+          <a:lnRef idx="1">
+            <a:schemeClr val="accent1"/>
+          </a:lnRef>
+          <a:fillRef idx="0">
+            <a:schemeClr val="accent1"/>
+          </a:fillRef>
+          <a:effectRef idx="0">
+            <a:schemeClr val="accent1"/>
+          </a:effectRef>
+          <a:fontRef idx="minor">
+            <a:schemeClr val="tx1"/>
+          </a:fontRef>
+        </p:style>
+      </p:cxnSp>
+      <p:cxnSp>
+        <p:nvCxnSpPr>
+          <p:cNvPr id="49" name="Straight Arrow Connector 48"/>
+          <p:cNvCxnSpPr/>
+          <p:nvPr/>
+        </p:nvCxnSpPr>
+        <p:spPr>
+          <a:xfrm flipH="1" flipV="1">
+            <a:off x="1900918" y="838200"/>
+            <a:ext cx="1" cy="381000"/>
+          </a:xfrm>
+          <a:prstGeom prst="straightConnector1">
+            <a:avLst/>
+          </a:prstGeom>
+          <a:ln w="44450" cap="sq">
+            <a:tailEnd type="triangle" w="lg" len="lg"/>
+          </a:ln>
+        </p:spPr>
+        <p:style>
+          <a:lnRef idx="1">
+            <a:schemeClr val="accent1"/>
+          </a:lnRef>
+          <a:fillRef idx="0">
+            <a:schemeClr val="accent1"/>
+          </a:fillRef>
+          <a:effectRef idx="0">
+            <a:schemeClr val="accent1"/>
+          </a:effectRef>
+          <a:fontRef idx="minor">
+            <a:schemeClr val="tx1"/>
+          </a:fontRef>
+        </p:style>
+      </p:cxnSp>
     </p:spTree>
     <p:extLst>
       <p:ext uri="{BB962C8B-B14F-4D97-AF65-F5344CB8AC3E}">
